--- a/coffeemovie.pptx
+++ b/coffeemovie.pptx
@@ -26,6 +26,7 @@
     <p:sldId id="269" r:id="rId20"/>
     <p:sldId id="272" r:id="rId21"/>
     <p:sldId id="273" r:id="rId22"/>
+    <p:sldId id="277" r:id="rId23"/>
   </p:sldIdLst>
   <p:sldSz cx="12192000" cy="6858000"/>
   <p:notesSz cx="6858000" cy="9144000"/>
@@ -124,6 +125,11 @@
       </a:defRPr>
     </a:lvl9pPr>
   </p:defaultTextStyle>
+  <p:extLst>
+    <p:ext uri="{EFAFB233-063F-42B5-8137-9DF3F51BA10A}">
+      <p15:sldGuideLst xmlns:p15="http://schemas.microsoft.com/office/powerpoint/2012/main"/>
+    </p:ext>
+  </p:extLst>
 </p:presentation>
 </file>
 
@@ -7613,6 +7619,200 @@
 </p:sld>
 </file>
 
+<file path=ppt/slides/slide22.xml><?xml version="1.0" encoding="utf-8"?>
+<p:sld xmlns:a="http://schemas.openxmlformats.org/drawingml/2006/main" xmlns:r="http://schemas.openxmlformats.org/officeDocument/2006/relationships" xmlns:p="http://schemas.openxmlformats.org/presentationml/2006/main">
+  <p:cSld>
+    <p:spTree>
+      <p:nvGrpSpPr>
+        <p:cNvPr id="1" name=""/>
+        <p:cNvGrpSpPr/>
+        <p:nvPr/>
+      </p:nvGrpSpPr>
+      <p:grpSpPr>
+        <a:xfrm>
+          <a:off x="0" y="0"/>
+          <a:ext cx="0" cy="0"/>
+          <a:chOff x="0" y="0"/>
+          <a:chExt cx="0" cy="0"/>
+        </a:xfrm>
+      </p:grpSpPr>
+      <p:sp>
+        <p:nvSpPr>
+          <p:cNvPr id="2" name="Title 1">
+            <a:extLst>
+              <a:ext uri="{FF2B5EF4-FFF2-40B4-BE49-F238E27FC236}">
+                <a16:creationId xmlns:a16="http://schemas.microsoft.com/office/drawing/2014/main" id="{04D2E499-CEAE-435F-A8D1-820404F06092}"/>
+              </a:ext>
+            </a:extLst>
+          </p:cNvPr>
+          <p:cNvSpPr>
+            <a:spLocks noGrp="1"/>
+          </p:cNvSpPr>
+          <p:nvPr>
+            <p:ph type="ctrTitle"/>
+          </p:nvPr>
+        </p:nvSpPr>
+        <p:spPr>
+          <a:xfrm>
+            <a:off x="-88780" y="155360"/>
+            <a:ext cx="7190915" cy="941032"/>
+          </a:xfrm>
+        </p:spPr>
+        <p:txBody>
+          <a:bodyPr>
+            <a:normAutofit/>
+          </a:bodyPr>
+          <a:lstStyle/>
+          <a:p>
+            <a:r>
+              <a:rPr lang="en-US" sz="4800" dirty="0">
+                <a:solidFill>
+                  <a:srgbClr val="996633"/>
+                </a:solidFill>
+                <a:latin typeface="Aharoni" panose="02010803020104030203" pitchFamily="2" charset="-79"/>
+                <a:cs typeface="Aharoni" panose="02010803020104030203" pitchFamily="2" charset="-79"/>
+              </a:rPr>
+              <a:t>Thanks for listening!</a:t>
+            </a:r>
+            <a:endParaRPr lang="es-ES" sz="4800" dirty="0">
+              <a:solidFill>
+                <a:srgbClr val="996633"/>
+              </a:solidFill>
+              <a:latin typeface="Aharoni" panose="02010803020104030203" pitchFamily="2" charset="-79"/>
+              <a:cs typeface="Aharoni" panose="02010803020104030203" pitchFamily="2" charset="-79"/>
+            </a:endParaRPr>
+          </a:p>
+        </p:txBody>
+      </p:sp>
+      <p:cxnSp>
+        <p:nvCxnSpPr>
+          <p:cNvPr id="5" name="Straight Connector 4">
+            <a:extLst>
+              <a:ext uri="{FF2B5EF4-FFF2-40B4-BE49-F238E27FC236}">
+                <a16:creationId xmlns:a16="http://schemas.microsoft.com/office/drawing/2014/main" id="{22E61CE8-6674-4F38-A736-182FB4D6791D}"/>
+              </a:ext>
+            </a:extLst>
+          </p:cNvPr>
+          <p:cNvCxnSpPr>
+            <a:cxnSpLocks/>
+          </p:cNvCxnSpPr>
+          <p:nvPr/>
+        </p:nvCxnSpPr>
+        <p:spPr>
+          <a:xfrm>
+            <a:off x="257453" y="245097"/>
+            <a:ext cx="0" cy="774096"/>
+          </a:xfrm>
+          <a:prstGeom prst="line">
+            <a:avLst/>
+          </a:prstGeom>
+          <a:ln w="76200">
+            <a:solidFill>
+              <a:srgbClr val="996633"/>
+            </a:solidFill>
+          </a:ln>
+        </p:spPr>
+        <p:style>
+          <a:lnRef idx="1">
+            <a:schemeClr val="accent1"/>
+          </a:lnRef>
+          <a:fillRef idx="0">
+            <a:schemeClr val="accent1"/>
+          </a:fillRef>
+          <a:effectRef idx="0">
+            <a:schemeClr val="accent1"/>
+          </a:effectRef>
+          <a:fontRef idx="minor">
+            <a:schemeClr val="tx1"/>
+          </a:fontRef>
+        </p:style>
+      </p:cxnSp>
+      <p:cxnSp>
+        <p:nvCxnSpPr>
+          <p:cNvPr id="10" name="Straight Connector 9">
+            <a:extLst>
+              <a:ext uri="{FF2B5EF4-FFF2-40B4-BE49-F238E27FC236}">
+                <a16:creationId xmlns:a16="http://schemas.microsoft.com/office/drawing/2014/main" id="{5E526E35-D100-4330-8B7A-AE4D88DEEF3C}"/>
+              </a:ext>
+            </a:extLst>
+          </p:cNvPr>
+          <p:cNvCxnSpPr>
+            <a:cxnSpLocks/>
+          </p:cNvCxnSpPr>
+          <p:nvPr/>
+        </p:nvCxnSpPr>
+        <p:spPr>
+          <a:xfrm flipV="1">
+            <a:off x="11984855" y="5278980"/>
+            <a:ext cx="0" cy="1384916"/>
+          </a:xfrm>
+          <a:prstGeom prst="line">
+            <a:avLst/>
+          </a:prstGeom>
+          <a:ln w="76200">
+            <a:solidFill>
+              <a:srgbClr val="996633"/>
+            </a:solidFill>
+          </a:ln>
+        </p:spPr>
+        <p:style>
+          <a:lnRef idx="1">
+            <a:schemeClr val="accent1"/>
+          </a:lnRef>
+          <a:fillRef idx="0">
+            <a:schemeClr val="accent1"/>
+          </a:fillRef>
+          <a:effectRef idx="0">
+            <a:schemeClr val="accent1"/>
+          </a:effectRef>
+          <a:fontRef idx="minor">
+            <a:schemeClr val="tx1"/>
+          </a:fontRef>
+        </p:style>
+      </p:cxnSp>
+      <p:pic>
+        <p:nvPicPr>
+          <p:cNvPr id="8" name="Picture 7">
+            <a:extLst>
+              <a:ext uri="{FF2B5EF4-FFF2-40B4-BE49-F238E27FC236}">
+                <a16:creationId xmlns:a16="http://schemas.microsoft.com/office/drawing/2014/main" id="{078A738A-7D81-4D7E-9B95-C1983A37172F}"/>
+              </a:ext>
+            </a:extLst>
+          </p:cNvPr>
+          <p:cNvPicPr>
+            <a:picLocks noChangeAspect="1"/>
+          </p:cNvPicPr>
+          <p:nvPr/>
+        </p:nvPicPr>
+        <p:blipFill>
+          <a:blip r:embed="rId2"/>
+          <a:stretch>
+            <a:fillRect/>
+          </a:stretch>
+        </p:blipFill>
+        <p:spPr>
+          <a:xfrm>
+            <a:off x="3311372" y="1460739"/>
+            <a:ext cx="5569255" cy="4539551"/>
+          </a:xfrm>
+          <a:prstGeom prst="rect">
+            <a:avLst/>
+          </a:prstGeom>
+        </p:spPr>
+      </p:pic>
+    </p:spTree>
+    <p:extLst>
+      <p:ext uri="{BB962C8B-B14F-4D97-AF65-F5344CB8AC3E}">
+        <p14:creationId xmlns:p14="http://schemas.microsoft.com/office/powerpoint/2010/main" val="3336673755"/>
+      </p:ext>
+    </p:extLst>
+  </p:cSld>
+  <p:clrMapOvr>
+    <a:masterClrMapping/>
+  </p:clrMapOvr>
+</p:sld>
+</file>
+
 <file path=ppt/slides/slide3.xml><?xml version="1.0" encoding="utf-8"?>
 <p:sld xmlns:a="http://schemas.openxmlformats.org/drawingml/2006/main" xmlns:r="http://schemas.openxmlformats.org/officeDocument/2006/relationships" xmlns:p="http://schemas.openxmlformats.org/presentationml/2006/main">
   <p:cSld>
